--- a/響應(response).pptx
+++ b/響應(response).pptx
@@ -347,7 +347,7 @@
           <a:p>
             <a:fld id="{A9325ED5-516E-4205-B68E-0956E6810606}" type="datetimeFigureOut">
               <a:rPr lang="zh-TW" altLang="en-US" smtClean="0"/>
-              <a:t>2021/1/29</a:t>
+              <a:t>2021/3/9</a:t>
             </a:fld>
             <a:endParaRPr lang="zh-TW" altLang="en-US"/>
           </a:p>
@@ -555,7 +555,7 @@
           <a:p>
             <a:fld id="{A9325ED5-516E-4205-B68E-0956E6810606}" type="datetimeFigureOut">
               <a:rPr lang="zh-TW" altLang="en-US" smtClean="0"/>
-              <a:t>2021/1/29</a:t>
+              <a:t>2021/3/9</a:t>
             </a:fld>
             <a:endParaRPr lang="zh-TW" altLang="en-US"/>
           </a:p>
@@ -811,7 +811,7 @@
           <a:p>
             <a:fld id="{A9325ED5-516E-4205-B68E-0956E6810606}" type="datetimeFigureOut">
               <a:rPr lang="zh-TW" altLang="en-US" smtClean="0"/>
-              <a:t>2021/1/29</a:t>
+              <a:t>2021/3/9</a:t>
             </a:fld>
             <a:endParaRPr lang="zh-TW" altLang="en-US"/>
           </a:p>
@@ -985,7 +985,7 @@
           <a:p>
             <a:fld id="{A9325ED5-516E-4205-B68E-0956E6810606}" type="datetimeFigureOut">
               <a:rPr lang="zh-TW" altLang="en-US" smtClean="0"/>
-              <a:t>2021/1/29</a:t>
+              <a:t>2021/3/9</a:t>
             </a:fld>
             <a:endParaRPr lang="zh-TW" altLang="en-US"/>
           </a:p>
@@ -1328,7 +1328,7 @@
           <a:p>
             <a:fld id="{A9325ED5-516E-4205-B68E-0956E6810606}" type="datetimeFigureOut">
               <a:rPr lang="zh-TW" altLang="en-US" smtClean="0"/>
-              <a:t>2021/1/29</a:t>
+              <a:t>2021/3/9</a:t>
             </a:fld>
             <a:endParaRPr lang="zh-TW" altLang="en-US"/>
           </a:p>
@@ -1603,7 +1603,7 @@
           <a:p>
             <a:fld id="{A9325ED5-516E-4205-B68E-0956E6810606}" type="datetimeFigureOut">
               <a:rPr lang="zh-TW" altLang="en-US" smtClean="0"/>
-              <a:t>2021/1/29</a:t>
+              <a:t>2021/3/9</a:t>
             </a:fld>
             <a:endParaRPr lang="zh-TW" altLang="en-US"/>
           </a:p>
@@ -1982,7 +1982,7 @@
           <a:p>
             <a:fld id="{A9325ED5-516E-4205-B68E-0956E6810606}" type="datetimeFigureOut">
               <a:rPr lang="zh-TW" altLang="en-US" smtClean="0"/>
-              <a:t>2021/1/29</a:t>
+              <a:t>2021/3/9</a:t>
             </a:fld>
             <a:endParaRPr lang="zh-TW" altLang="en-US"/>
           </a:p>
@@ -2100,7 +2100,7 @@
           <a:p>
             <a:fld id="{A9325ED5-516E-4205-B68E-0956E6810606}" type="datetimeFigureOut">
               <a:rPr lang="zh-TW" altLang="en-US" smtClean="0"/>
-              <a:t>2021/1/29</a:t>
+              <a:t>2021/3/9</a:t>
             </a:fld>
             <a:endParaRPr lang="zh-TW" altLang="en-US"/>
           </a:p>
@@ -2271,7 +2271,7 @@
           <a:p>
             <a:fld id="{A9325ED5-516E-4205-B68E-0956E6810606}" type="datetimeFigureOut">
               <a:rPr lang="zh-TW" altLang="en-US" smtClean="0"/>
-              <a:t>2021/1/29</a:t>
+              <a:t>2021/3/9</a:t>
             </a:fld>
             <a:endParaRPr lang="zh-TW" altLang="en-US"/>
           </a:p>
@@ -2625,7 +2625,7 @@
           <a:p>
             <a:fld id="{A9325ED5-516E-4205-B68E-0956E6810606}" type="datetimeFigureOut">
               <a:rPr lang="zh-TW" altLang="en-US" smtClean="0"/>
-              <a:t>2021/1/29</a:t>
+              <a:t>2021/3/9</a:t>
             </a:fld>
             <a:endParaRPr lang="zh-TW" altLang="en-US"/>
           </a:p>
@@ -3007,7 +3007,7 @@
           <a:p>
             <a:fld id="{A9325ED5-516E-4205-B68E-0956E6810606}" type="datetimeFigureOut">
               <a:rPr lang="zh-TW" altLang="en-US" smtClean="0"/>
-              <a:t>2021/1/29</a:t>
+              <a:t>2021/3/9</a:t>
             </a:fld>
             <a:endParaRPr lang="zh-TW" altLang="en-US"/>
           </a:p>
@@ -3294,7 +3294,7 @@
           <a:p>
             <a:fld id="{A9325ED5-516E-4205-B68E-0956E6810606}" type="datetimeFigureOut">
               <a:rPr lang="zh-TW" altLang="en-US" smtClean="0"/>
-              <a:t>2021/1/29</a:t>
+              <a:t>2021/3/9</a:t>
             </a:fld>
             <a:endParaRPr lang="zh-TW" altLang="en-US"/>
           </a:p>
@@ -8163,8 +8163,8 @@
           </a:p>
         </p:txBody>
       </p:sp>
-      <mc:AlternateContent xmlns:mc="http://schemas.openxmlformats.org/markup-compatibility/2006">
-        <mc:Choice xmlns:a14="http://schemas.microsoft.com/office/drawing/2010/main" Requires="a14">
+      <mc:AlternateContent xmlns:mc="http://schemas.openxmlformats.org/markup-compatibility/2006" xmlns:a14="http://schemas.microsoft.com/office/drawing/2010/main">
+        <mc:Choice Requires="a14">
           <p:sp>
             <p:nvSpPr>
               <p:cNvPr id="6" name="文字方塊 5">
@@ -8695,7 +8695,7 @@
             </p:txBody>
           </p:sp>
         </mc:Choice>
-        <mc:Fallback>
+        <mc:Fallback xmlns="">
           <p:sp>
             <p:nvSpPr>
               <p:cNvPr id="6" name="文字方塊 5">
@@ -8740,8 +8740,8 @@
           </p:sp>
         </mc:Fallback>
       </mc:AlternateContent>
-      <mc:AlternateContent xmlns:mc="http://schemas.openxmlformats.org/markup-compatibility/2006">
-        <mc:Choice xmlns:a14="http://schemas.microsoft.com/office/drawing/2010/main" Requires="a14">
+      <mc:AlternateContent xmlns:mc="http://schemas.openxmlformats.org/markup-compatibility/2006" xmlns:a14="http://schemas.microsoft.com/office/drawing/2010/main">
+        <mc:Choice Requires="a14">
           <p:sp>
             <p:nvSpPr>
               <p:cNvPr id="7" name="文字方塊 6">
@@ -9428,7 +9428,7 @@
             </p:txBody>
           </p:sp>
         </mc:Choice>
-        <mc:Fallback>
+        <mc:Fallback xmlns="">
           <p:sp>
             <p:nvSpPr>
               <p:cNvPr id="7" name="文字方塊 6">
@@ -9563,8 +9563,8 @@
           </p:style>
         </p:cxnSp>
       </p:grpSp>
-      <mc:AlternateContent xmlns:mc="http://schemas.openxmlformats.org/markup-compatibility/2006">
-        <mc:Choice xmlns:a14="http://schemas.microsoft.com/office/drawing/2010/main" Requires="a14">
+      <mc:AlternateContent xmlns:mc="http://schemas.openxmlformats.org/markup-compatibility/2006" xmlns:a14="http://schemas.microsoft.com/office/drawing/2010/main">
+        <mc:Choice Requires="a14">
           <p:sp>
             <p:nvSpPr>
               <p:cNvPr id="12" name="文字方塊 11">
@@ -10067,7 +10067,7 @@
             </p:txBody>
           </p:sp>
         </mc:Choice>
-        <mc:Fallback>
+        <mc:Fallback xmlns="">
           <p:sp>
             <p:nvSpPr>
               <p:cNvPr id="12" name="文字方塊 11">
@@ -10112,8 +10112,8 @@
           </p:sp>
         </mc:Fallback>
       </mc:AlternateContent>
-      <mc:AlternateContent xmlns:mc="http://schemas.openxmlformats.org/markup-compatibility/2006">
-        <mc:Choice xmlns:a14="http://schemas.microsoft.com/office/drawing/2010/main" Requires="a14">
+      <mc:AlternateContent xmlns:mc="http://schemas.openxmlformats.org/markup-compatibility/2006" xmlns:a14="http://schemas.microsoft.com/office/drawing/2010/main">
+        <mc:Choice Requires="a14">
           <p:sp>
             <p:nvSpPr>
               <p:cNvPr id="13" name="文字方塊 12">
@@ -10785,7 +10785,7 @@
             </p:txBody>
           </p:sp>
         </mc:Choice>
-        <mc:Fallback>
+        <mc:Fallback xmlns="">
           <p:sp>
             <p:nvSpPr>
               <p:cNvPr id="13" name="文字方塊 12">
@@ -10830,8 +10830,8 @@
           </p:sp>
         </mc:Fallback>
       </mc:AlternateContent>
-      <mc:AlternateContent xmlns:mc="http://schemas.openxmlformats.org/markup-compatibility/2006">
-        <mc:Choice xmlns:a14="http://schemas.microsoft.com/office/drawing/2010/main" Requires="a14">
+      <mc:AlternateContent xmlns:mc="http://schemas.openxmlformats.org/markup-compatibility/2006" xmlns:a14="http://schemas.microsoft.com/office/drawing/2010/main">
+        <mc:Choice Requires="a14">
           <p:sp>
             <p:nvSpPr>
               <p:cNvPr id="4" name="文字方塊 3">
@@ -11277,7 +11277,7 @@
             </p:txBody>
           </p:sp>
         </mc:Choice>
-        <mc:Fallback>
+        <mc:Fallback xmlns="">
           <p:sp>
             <p:nvSpPr>
               <p:cNvPr id="4" name="文字方塊 3">
@@ -13685,8 +13685,8 @@
           </p:sp>
         </mc:Fallback>
       </mc:AlternateContent>
-      <mc:AlternateContent xmlns:mc="http://schemas.openxmlformats.org/markup-compatibility/2006">
-        <mc:Choice xmlns:a14="http://schemas.microsoft.com/office/drawing/2010/main" Requires="a14">
+      <mc:AlternateContent xmlns:mc="http://schemas.openxmlformats.org/markup-compatibility/2006" xmlns:a14="http://schemas.microsoft.com/office/drawing/2010/main">
+        <mc:Choice Requires="a14">
           <p:sp>
             <p:nvSpPr>
               <p:cNvPr id="3" name="文字方塊 2">
@@ -13742,7 +13742,7 @@
             </p:txBody>
           </p:sp>
         </mc:Choice>
-        <mc:Fallback>
+        <mc:Fallback xmlns="">
           <p:sp>
             <p:nvSpPr>
               <p:cNvPr id="3" name="文字方塊 2">
